--- a/cs1301/slides/Google.pptx
+++ b/cs1301/slides/Google.pptx
@@ -128,6 +128,35 @@
 </p:presentation>
 </file>
 
+<file path=ppt/changesInfos/changesInfo1.xml><?xml version="1.0" encoding="utf-8"?>
+<pc:chgInfo xmlns:a="http://schemas.openxmlformats.org/drawingml/2006/main" xmlns:r="http://schemas.openxmlformats.org/officeDocument/2006/relationships" xmlns:ac="http://schemas.microsoft.com/office/drawing/2013/main/command" xmlns:pc="http://schemas.microsoft.com/office/powerpoint/2013/main/command">
+  <pc:docChgLst>
+    <pc:chgData name="Lin  Chen" userId="5b8d33d8-9b1a-4612-8f39-9bee1ddd9437" providerId="ADAL" clId="{D454A22B-CB5D-F54E-8119-84187F76AB6A}"/>
+    <pc:docChg chg="modSld">
+      <pc:chgData name="Lin  Chen" userId="5b8d33d8-9b1a-4612-8f39-9bee1ddd9437" providerId="ADAL" clId="{D454A22B-CB5D-F54E-8119-84187F76AB6A}" dt="2020-08-09T16:46:09.775" v="4" actId="20577"/>
+      <pc:docMkLst>
+        <pc:docMk/>
+      </pc:docMkLst>
+      <pc:sldChg chg="modSp mod">
+        <pc:chgData name="Lin  Chen" userId="5b8d33d8-9b1a-4612-8f39-9bee1ddd9437" providerId="ADAL" clId="{D454A22B-CB5D-F54E-8119-84187F76AB6A}" dt="2020-08-09T16:46:09.775" v="4" actId="20577"/>
+        <pc:sldMkLst>
+          <pc:docMk/>
+          <pc:sldMk cId="4129535017" sldId="256"/>
+        </pc:sldMkLst>
+        <pc:spChg chg="mod">
+          <ac:chgData name="Lin  Chen" userId="5b8d33d8-9b1a-4612-8f39-9bee1ddd9437" providerId="ADAL" clId="{D454A22B-CB5D-F54E-8119-84187F76AB6A}" dt="2020-08-09T16:46:09.775" v="4" actId="20577"/>
+          <ac:spMkLst>
+            <pc:docMk/>
+            <pc:sldMk cId="4129535017" sldId="256"/>
+            <ac:spMk id="9" creationId="{00000000-0000-0000-0000-000000000000}"/>
+          </ac:spMkLst>
+        </pc:spChg>
+      </pc:sldChg>
+    </pc:docChg>
+  </pc:docChgLst>
+</pc:chgInfo>
+</file>
+
 <file path=ppt/slideLayouts/slideLayout1.xml><?xml version="1.0" encoding="utf-8"?>
 <p:sldLayout xmlns:a="http://schemas.openxmlformats.org/drawingml/2006/main" xmlns:r="http://schemas.openxmlformats.org/officeDocument/2006/relationships" xmlns:p="http://schemas.openxmlformats.org/presentationml/2006/main" type="title" preserve="1">
   <p:cSld name="Title Slide">
@@ -257,7 +286,7 @@
           <a:p>
             <a:fld id="{96E653AB-DB9E-4EAF-B653-217F81226048}" type="datetimeFigureOut">
               <a:rPr lang="en-US" smtClean="0"/>
-              <a:t>1/14/2020</a:t>
+              <a:t>8/9/20</a:t>
             </a:fld>
             <a:endParaRPr lang="en-US"/>
           </a:p>
@@ -425,7 +454,7 @@
           <a:p>
             <a:fld id="{96E653AB-DB9E-4EAF-B653-217F81226048}" type="datetimeFigureOut">
               <a:rPr lang="en-US" smtClean="0"/>
-              <a:t>1/14/2020</a:t>
+              <a:t>8/9/20</a:t>
             </a:fld>
             <a:endParaRPr lang="en-US"/>
           </a:p>
@@ -603,7 +632,7 @@
           <a:p>
             <a:fld id="{96E653AB-DB9E-4EAF-B653-217F81226048}" type="datetimeFigureOut">
               <a:rPr lang="en-US" smtClean="0"/>
-              <a:t>1/14/2020</a:t>
+              <a:t>8/9/20</a:t>
             </a:fld>
             <a:endParaRPr lang="en-US"/>
           </a:p>
@@ -771,7 +800,7 @@
           <a:p>
             <a:fld id="{96E653AB-DB9E-4EAF-B653-217F81226048}" type="datetimeFigureOut">
               <a:rPr lang="en-US" smtClean="0"/>
-              <a:t>1/14/2020</a:t>
+              <a:t>8/9/20</a:t>
             </a:fld>
             <a:endParaRPr lang="en-US"/>
           </a:p>
@@ -1016,7 +1045,7 @@
           <a:p>
             <a:fld id="{96E653AB-DB9E-4EAF-B653-217F81226048}" type="datetimeFigureOut">
               <a:rPr lang="en-US" smtClean="0"/>
-              <a:t>1/14/2020</a:t>
+              <a:t>8/9/20</a:t>
             </a:fld>
             <a:endParaRPr lang="en-US"/>
           </a:p>
@@ -1245,7 +1274,7 @@
           <a:p>
             <a:fld id="{96E653AB-DB9E-4EAF-B653-217F81226048}" type="datetimeFigureOut">
               <a:rPr lang="en-US" smtClean="0"/>
-              <a:t>1/14/2020</a:t>
+              <a:t>8/9/20</a:t>
             </a:fld>
             <a:endParaRPr lang="en-US"/>
           </a:p>
@@ -1609,7 +1638,7 @@
           <a:p>
             <a:fld id="{96E653AB-DB9E-4EAF-B653-217F81226048}" type="datetimeFigureOut">
               <a:rPr lang="en-US" smtClean="0"/>
-              <a:t>1/14/2020</a:t>
+              <a:t>8/9/20</a:t>
             </a:fld>
             <a:endParaRPr lang="en-US"/>
           </a:p>
@@ -1726,7 +1755,7 @@
           <a:p>
             <a:fld id="{96E653AB-DB9E-4EAF-B653-217F81226048}" type="datetimeFigureOut">
               <a:rPr lang="en-US" smtClean="0"/>
-              <a:t>1/14/2020</a:t>
+              <a:t>8/9/20</a:t>
             </a:fld>
             <a:endParaRPr lang="en-US"/>
           </a:p>
@@ -1821,7 +1850,7 @@
           <a:p>
             <a:fld id="{96E653AB-DB9E-4EAF-B653-217F81226048}" type="datetimeFigureOut">
               <a:rPr lang="en-US" smtClean="0"/>
-              <a:t>1/14/2020</a:t>
+              <a:t>8/9/20</a:t>
             </a:fld>
             <a:endParaRPr lang="en-US"/>
           </a:p>
@@ -2096,7 +2125,7 @@
           <a:p>
             <a:fld id="{96E653AB-DB9E-4EAF-B653-217F81226048}" type="datetimeFigureOut">
               <a:rPr lang="en-US" smtClean="0"/>
-              <a:t>1/14/2020</a:t>
+              <a:t>8/9/20</a:t>
             </a:fld>
             <a:endParaRPr lang="en-US"/>
           </a:p>
@@ -2348,7 +2377,7 @@
           <a:p>
             <a:fld id="{96E653AB-DB9E-4EAF-B653-217F81226048}" type="datetimeFigureOut">
               <a:rPr lang="en-US" smtClean="0"/>
-              <a:t>1/14/2020</a:t>
+              <a:t>8/9/20</a:t>
             </a:fld>
             <a:endParaRPr lang="en-US"/>
           </a:p>
@@ -2559,7 +2588,7 @@
           <a:p>
             <a:fld id="{96E653AB-DB9E-4EAF-B653-217F81226048}" type="datetimeFigureOut">
               <a:rPr lang="en-US" smtClean="0"/>
-              <a:t>1/14/2020</a:t>
+              <a:t>8/9/20</a:t>
             </a:fld>
             <a:endParaRPr lang="en-US"/>
           </a:p>
@@ -3072,7 +3101,7 @@
         <p:spPr>
           <a:xfrm>
             <a:off x="8319052" y="3717235"/>
-            <a:ext cx="1975221" cy="584775"/>
+            <a:ext cx="1599540" cy="584775"/>
           </a:xfrm>
           <a:prstGeom prst="rect">
             <a:avLst/>
@@ -3086,14 +3115,11 @@
           <a:lstStyle/>
           <a:p>
             <a:r>
-              <a:rPr lang="en-US" sz="3200" b="1" i="1" dirty="0" smtClean="0">
+              <a:rPr lang="en-US" sz="3200" b="1" i="1" dirty="0">
                 <a:latin typeface="Brush Script MT" panose="03060802040406070304" pitchFamily="66" charset="0"/>
               </a:rPr>
-              <a:t>Spring 2020</a:t>
-            </a:r>
-            <a:endParaRPr lang="en-US" sz="3200" b="1" i="1" dirty="0">
-              <a:latin typeface="Brush Script MT" panose="03060802040406070304" pitchFamily="66" charset="0"/>
-            </a:endParaRPr>
+              <a:t>Fall 2020</a:t>
+            </a:r>
           </a:p>
         </p:txBody>
       </p:sp>
@@ -3121,15 +3147,7 @@
           <a:p>
             <a:r>
               <a:rPr lang="en-US" b="1" i="1" dirty="0"/>
-              <a:t>Department of </a:t>
-            </a:r>
-            <a:r>
-              <a:rPr lang="en-US" b="1" i="1" dirty="0" smtClean="0"/>
-              <a:t>Computer </a:t>
-            </a:r>
-            <a:r>
-              <a:rPr lang="en-US" b="1" i="1" dirty="0"/>
-              <a:t>Science</a:t>
+              <a:t>Department of Computer Science</a:t>
             </a:r>
           </a:p>
         </p:txBody>
@@ -3198,7 +3216,7 @@
           <a:lstStyle/>
           <a:p>
             <a:r>
-              <a:rPr lang="en-US" sz="4000" b="1" dirty="0" smtClean="0">
+              <a:rPr lang="en-US" sz="4000" b="1" dirty="0">
                 <a:ln w="9525">
                   <a:solidFill>
                     <a:schemeClr val="bg1"/>
@@ -3220,26 +3238,6 @@
               </a:rPr>
               <a:t>Valdosta State University</a:t>
             </a:r>
-            <a:endParaRPr lang="en-US" sz="4000" b="1" dirty="0">
-              <a:ln w="9525">
-                <a:solidFill>
-                  <a:schemeClr val="bg1"/>
-                </a:solidFill>
-                <a:prstDash val="solid"/>
-              </a:ln>
-              <a:solidFill>
-                <a:srgbClr val="FF0000"/>
-              </a:solidFill>
-              <a:effectLst>
-                <a:outerShdw blurRad="12700" dist="38100" dir="2700000" algn="tl" rotWithShape="0">
-                  <a:schemeClr val="bg1">
-                    <a:lumMod val="50000"/>
-                  </a:schemeClr>
-                </a:outerShdw>
-              </a:effectLst>
-              <a:latin typeface="Segoe UI Black" panose="020B0A02040204020203" pitchFamily="34" charset="0"/>
-              <a:ea typeface="Segoe UI Black" panose="020B0A02040204020203" pitchFamily="34" charset="0"/>
-            </a:endParaRPr>
           </a:p>
         </p:txBody>
       </p:sp>
@@ -3253,13 +3251,6 @@
   <p:clrMapOvr>
     <a:masterClrMapping/>
   </p:clrMapOvr>
-  <p:timing>
-    <p:tnLst>
-      <p:par>
-        <p:cTn id="1" dur="indefinite" restart="never" nodeType="tmRoot"/>
-      </p:par>
-    </p:tnLst>
-  </p:timing>
 </p:sld>
 </file>
 
@@ -3374,15 +3365,7 @@
           <a:p>
             <a:r>
               <a:rPr lang="en-US" b="1" i="1" dirty="0"/>
-              <a:t>Department of </a:t>
-            </a:r>
-            <a:r>
-              <a:rPr lang="en-US" b="1" i="1" dirty="0" smtClean="0"/>
-              <a:t>Computer </a:t>
-            </a:r>
-            <a:r>
-              <a:rPr lang="en-US" b="1" i="1" dirty="0"/>
-              <a:t>Science</a:t>
+              <a:t>Department of Computer Science</a:t>
             </a:r>
           </a:p>
         </p:txBody>
@@ -3451,7 +3434,7 @@
           <a:lstStyle/>
           <a:p>
             <a:r>
-              <a:rPr lang="en-US" sz="4000" b="1" dirty="0" smtClean="0">
+              <a:rPr lang="en-US" sz="4000" b="1" dirty="0">
                 <a:ln w="9525">
                   <a:solidFill>
                     <a:schemeClr val="bg1"/>
@@ -3473,26 +3456,6 @@
               </a:rPr>
               <a:t>Valdosta State University</a:t>
             </a:r>
-            <a:endParaRPr lang="en-US" sz="4000" b="1" dirty="0">
-              <a:ln w="9525">
-                <a:solidFill>
-                  <a:schemeClr val="bg1"/>
-                </a:solidFill>
-                <a:prstDash val="solid"/>
-              </a:ln>
-              <a:solidFill>
-                <a:srgbClr val="FF0000"/>
-              </a:solidFill>
-              <a:effectLst>
-                <a:outerShdw blurRad="12700" dist="38100" dir="2700000" algn="tl" rotWithShape="0">
-                  <a:schemeClr val="bg1">
-                    <a:lumMod val="50000"/>
-                  </a:schemeClr>
-                </a:outerShdw>
-              </a:effectLst>
-              <a:latin typeface="Segoe UI Black" panose="020B0A02040204020203" pitchFamily="34" charset="0"/>
-              <a:ea typeface="Segoe UI Black" panose="020B0A02040204020203" pitchFamily="34" charset="0"/>
-            </a:endParaRPr>
           </a:p>
         </p:txBody>
       </p:sp>
@@ -3519,10 +3482,9 @@
           <a:lstStyle/>
           <a:p>
             <a:r>
-              <a:rPr lang="en-US" b="1" u="sng" dirty="0" smtClean="0"/>
+              <a:rPr lang="en-US" b="1" u="sng" dirty="0"/>
               <a:t>Logical Operators</a:t>
             </a:r>
-            <a:endParaRPr lang="en-US" b="1" u="sng" dirty="0"/>
           </a:p>
         </p:txBody>
       </p:sp>
@@ -3549,18 +3511,13 @@
           <a:lstStyle/>
           <a:p>
             <a:r>
-              <a:rPr lang="en-US" b="1" i="1" dirty="0" smtClean="0">
+              <a:rPr lang="en-US" b="1" i="1" dirty="0">
                 <a:solidFill>
                   <a:srgbClr val="FF0000"/>
                 </a:solidFill>
               </a:rPr>
               <a:t>OR</a:t>
             </a:r>
-            <a:endParaRPr lang="en-US" b="1" i="1" dirty="0">
-              <a:solidFill>
-                <a:srgbClr val="FF0000"/>
-              </a:solidFill>
-            </a:endParaRPr>
           </a:p>
           <a:p>
             <a:r>
@@ -3577,11 +3534,7 @@
             </a:r>
             <a:r>
               <a:rPr lang="en-US" sz="2000" b="1" i="1" dirty="0"/>
-              <a:t> Hawaii</a:t>
-            </a:r>
-            <a:r>
-              <a:rPr lang="en-US" sz="2000" b="1" i="1" dirty="0" smtClean="0"/>
-              <a:t>”</a:t>
+              <a:t> Hawaii”</a:t>
             </a:r>
           </a:p>
           <a:p>
@@ -3677,13 +3630,6 @@
   <p:clrMapOvr>
     <a:masterClrMapping/>
   </p:clrMapOvr>
-  <p:timing>
-    <p:tnLst>
-      <p:par>
-        <p:cTn id="1" dur="indefinite" restart="never" nodeType="tmRoot"/>
-      </p:par>
-    </p:tnLst>
-  </p:timing>
 </p:sld>
 </file>
 
@@ -3798,15 +3744,7 @@
           <a:p>
             <a:r>
               <a:rPr lang="en-US" b="1" i="1" dirty="0"/>
-              <a:t>Department of </a:t>
-            </a:r>
-            <a:r>
-              <a:rPr lang="en-US" b="1" i="1" dirty="0" smtClean="0"/>
-              <a:t>Computer </a:t>
-            </a:r>
-            <a:r>
-              <a:rPr lang="en-US" b="1" i="1" dirty="0"/>
-              <a:t>Science</a:t>
+              <a:t>Department of Computer Science</a:t>
             </a:r>
           </a:p>
         </p:txBody>
@@ -3875,7 +3813,7 @@
           <a:lstStyle/>
           <a:p>
             <a:r>
-              <a:rPr lang="en-US" sz="4000" b="1" dirty="0" smtClean="0">
+              <a:rPr lang="en-US" sz="4000" b="1" dirty="0">
                 <a:ln w="9525">
                   <a:solidFill>
                     <a:schemeClr val="bg1"/>
@@ -3897,26 +3835,6 @@
               </a:rPr>
               <a:t>Valdosta State University</a:t>
             </a:r>
-            <a:endParaRPr lang="en-US" sz="4000" b="1" dirty="0">
-              <a:ln w="9525">
-                <a:solidFill>
-                  <a:schemeClr val="bg1"/>
-                </a:solidFill>
-                <a:prstDash val="solid"/>
-              </a:ln>
-              <a:solidFill>
-                <a:srgbClr val="FF0000"/>
-              </a:solidFill>
-              <a:effectLst>
-                <a:outerShdw blurRad="12700" dist="38100" dir="2700000" algn="tl" rotWithShape="0">
-                  <a:schemeClr val="bg1">
-                    <a:lumMod val="50000"/>
-                  </a:schemeClr>
-                </a:outerShdw>
-              </a:effectLst>
-              <a:latin typeface="Segoe UI Black" panose="020B0A02040204020203" pitchFamily="34" charset="0"/>
-              <a:ea typeface="Segoe UI Black" panose="020B0A02040204020203" pitchFamily="34" charset="0"/>
-            </a:endParaRPr>
           </a:p>
         </p:txBody>
       </p:sp>
@@ -3943,10 +3861,9 @@
           <a:lstStyle/>
           <a:p>
             <a:r>
-              <a:rPr lang="en-US" b="1" u="sng" dirty="0" smtClean="0"/>
+              <a:rPr lang="en-US" b="1" u="sng" dirty="0"/>
               <a:t>Search for a phrase</a:t>
             </a:r>
-            <a:endParaRPr lang="en-US" b="1" u="sng" dirty="0"/>
           </a:p>
         </p:txBody>
       </p:sp>
@@ -3973,16 +3890,12 @@
           <a:lstStyle/>
           <a:p>
             <a:r>
-              <a:rPr lang="en-US" b="1" i="1" dirty="0" smtClean="0"/>
+              <a:rPr lang="en-US" b="1" i="1" dirty="0"/>
               <a:t>“</a:t>
             </a:r>
             <a:r>
               <a:rPr lang="en-US" b="1" dirty="0"/>
-              <a:t>error: reached end of file while </a:t>
-            </a:r>
-            <a:r>
-              <a:rPr lang="en-US" b="1" dirty="0" smtClean="0"/>
-              <a:t>parsing”</a:t>
+              <a:t>error: reached end of file while parsing”</a:t>
             </a:r>
             <a:endParaRPr lang="en-US" b="1" i="1" dirty="0"/>
           </a:p>
@@ -4033,18 +3946,13 @@
           <a:lstStyle/>
           <a:p>
             <a:r>
-              <a:rPr lang="en-US" b="1" dirty="0" smtClean="0">
+              <a:rPr lang="en-US" b="1" dirty="0">
                 <a:solidFill>
                   <a:schemeClr val="tx1"/>
                 </a:solidFill>
               </a:rPr>
               <a:t>Used to search error message</a:t>
             </a:r>
-            <a:endParaRPr lang="en-US" b="1" dirty="0">
-              <a:solidFill>
-                <a:schemeClr val="tx1"/>
-              </a:solidFill>
-            </a:endParaRPr>
           </a:p>
         </p:txBody>
       </p:sp>
@@ -4058,13 +3966,6 @@
   <p:clrMapOvr>
     <a:masterClrMapping/>
   </p:clrMapOvr>
-  <p:timing>
-    <p:tnLst>
-      <p:par>
-        <p:cTn id="1" dur="indefinite" restart="never" nodeType="tmRoot"/>
-      </p:par>
-    </p:tnLst>
-  </p:timing>
 </p:sld>
 </file>
 
@@ -4179,15 +4080,7 @@
           <a:p>
             <a:r>
               <a:rPr lang="en-US" b="1" i="1" dirty="0"/>
-              <a:t>Department of </a:t>
-            </a:r>
-            <a:r>
-              <a:rPr lang="en-US" b="1" i="1" dirty="0" smtClean="0"/>
-              <a:t>Computer </a:t>
-            </a:r>
-            <a:r>
-              <a:rPr lang="en-US" b="1" i="1" dirty="0"/>
-              <a:t>Science</a:t>
+              <a:t>Department of Computer Science</a:t>
             </a:r>
           </a:p>
         </p:txBody>
@@ -4256,7 +4149,7 @@
           <a:lstStyle/>
           <a:p>
             <a:r>
-              <a:rPr lang="en-US" sz="4000" b="1" dirty="0" smtClean="0">
+              <a:rPr lang="en-US" sz="4000" b="1" dirty="0">
                 <a:ln w="9525">
                   <a:solidFill>
                     <a:schemeClr val="bg1"/>
@@ -4278,26 +4171,6 @@
               </a:rPr>
               <a:t>Valdosta State University</a:t>
             </a:r>
-            <a:endParaRPr lang="en-US" sz="4000" b="1" dirty="0">
-              <a:ln w="9525">
-                <a:solidFill>
-                  <a:schemeClr val="bg1"/>
-                </a:solidFill>
-                <a:prstDash val="solid"/>
-              </a:ln>
-              <a:solidFill>
-                <a:srgbClr val="FF0000"/>
-              </a:solidFill>
-              <a:effectLst>
-                <a:outerShdw blurRad="12700" dist="38100" dir="2700000" algn="tl" rotWithShape="0">
-                  <a:schemeClr val="bg1">
-                    <a:lumMod val="50000"/>
-                  </a:schemeClr>
-                </a:outerShdw>
-              </a:effectLst>
-              <a:latin typeface="Segoe UI Black" panose="020B0A02040204020203" pitchFamily="34" charset="0"/>
-              <a:ea typeface="Segoe UI Black" panose="020B0A02040204020203" pitchFamily="34" charset="0"/>
-            </a:endParaRPr>
           </a:p>
         </p:txBody>
       </p:sp>
@@ -4324,10 +4197,9 @@
           <a:lstStyle/>
           <a:p>
             <a:r>
-              <a:rPr lang="en-US" b="1" u="sng" dirty="0" smtClean="0"/>
+              <a:rPr lang="en-US" b="1" u="sng" dirty="0"/>
               <a:t>Search for a cache</a:t>
             </a:r>
-            <a:endParaRPr lang="en-US" b="1" u="sng" dirty="0"/>
           </a:p>
         </p:txBody>
       </p:sp>
@@ -4406,18 +4278,13 @@
           <a:lstStyle/>
           <a:p>
             <a:r>
-              <a:rPr lang="en-US" b="1" dirty="0" smtClean="0">
+              <a:rPr lang="en-US" b="1" dirty="0">
                 <a:solidFill>
                   <a:schemeClr val="tx1"/>
                 </a:solidFill>
               </a:rPr>
               <a:t>Search the cache page</a:t>
             </a:r>
-            <a:endParaRPr lang="en-US" b="1" dirty="0">
-              <a:solidFill>
-                <a:schemeClr val="tx1"/>
-              </a:solidFill>
-            </a:endParaRPr>
           </a:p>
         </p:txBody>
       </p:sp>
@@ -4431,13 +4298,6 @@
   <p:clrMapOvr>
     <a:masterClrMapping/>
   </p:clrMapOvr>
-  <p:timing>
-    <p:tnLst>
-      <p:par>
-        <p:cTn id="1" dur="indefinite" restart="never" nodeType="tmRoot"/>
-      </p:par>
-    </p:tnLst>
-  </p:timing>
 </p:sld>
 </file>
 
@@ -4552,15 +4412,7 @@
           <a:p>
             <a:r>
               <a:rPr lang="en-US" b="1" i="1" dirty="0"/>
-              <a:t>Department of </a:t>
-            </a:r>
-            <a:r>
-              <a:rPr lang="en-US" b="1" i="1" dirty="0" smtClean="0"/>
-              <a:t>Computer </a:t>
-            </a:r>
-            <a:r>
-              <a:rPr lang="en-US" b="1" i="1" dirty="0"/>
-              <a:t>Science</a:t>
+              <a:t>Department of Computer Science</a:t>
             </a:r>
           </a:p>
         </p:txBody>
@@ -4629,7 +4481,7 @@
           <a:lstStyle/>
           <a:p>
             <a:r>
-              <a:rPr lang="en-US" sz="4000" b="1" dirty="0" smtClean="0">
+              <a:rPr lang="en-US" sz="4000" b="1" dirty="0">
                 <a:ln w="9525">
                   <a:solidFill>
                     <a:schemeClr val="bg1"/>
@@ -4651,26 +4503,6 @@
               </a:rPr>
               <a:t>Valdosta State University</a:t>
             </a:r>
-            <a:endParaRPr lang="en-US" sz="4000" b="1" dirty="0">
-              <a:ln w="9525">
-                <a:solidFill>
-                  <a:schemeClr val="bg1"/>
-                </a:solidFill>
-                <a:prstDash val="solid"/>
-              </a:ln>
-              <a:solidFill>
-                <a:srgbClr val="FF0000"/>
-              </a:solidFill>
-              <a:effectLst>
-                <a:outerShdw blurRad="12700" dist="38100" dir="2700000" algn="tl" rotWithShape="0">
-                  <a:schemeClr val="bg1">
-                    <a:lumMod val="50000"/>
-                  </a:schemeClr>
-                </a:outerShdw>
-              </a:effectLst>
-              <a:latin typeface="Segoe UI Black" panose="020B0A02040204020203" pitchFamily="34" charset="0"/>
-              <a:ea typeface="Segoe UI Black" panose="020B0A02040204020203" pitchFamily="34" charset="0"/>
-            </a:endParaRPr>
           </a:p>
         </p:txBody>
       </p:sp>
@@ -4697,10 +4529,9 @@
           <a:lstStyle/>
           <a:p>
             <a:r>
-              <a:rPr lang="en-US" b="1" u="sng" dirty="0" smtClean="0"/>
+              <a:rPr lang="en-US" b="1" u="sng" dirty="0"/>
               <a:t>Google Calculator</a:t>
             </a:r>
-            <a:endParaRPr lang="en-US" b="1" u="sng" dirty="0"/>
           </a:p>
         </p:txBody>
       </p:sp>
@@ -4727,10 +4558,9 @@
           <a:lstStyle/>
           <a:p>
             <a:r>
-              <a:rPr lang="en-US" b="1" i="1" dirty="0" smtClean="0"/>
+              <a:rPr lang="en-US" b="1" i="1" dirty="0"/>
               <a:t>1+1</a:t>
             </a:r>
-            <a:endParaRPr lang="en-US" b="1" i="1" dirty="0"/>
           </a:p>
         </p:txBody>
       </p:sp>
@@ -4779,18 +4609,13 @@
           <a:lstStyle/>
           <a:p>
             <a:r>
-              <a:rPr lang="en-US" b="1" dirty="0" smtClean="0">
+              <a:rPr lang="en-US" b="1" dirty="0">
                 <a:solidFill>
                   <a:schemeClr val="tx1"/>
                 </a:solidFill>
               </a:rPr>
               <a:t>Do a math calculation in google search bar</a:t>
             </a:r>
-            <a:endParaRPr lang="en-US" b="1" dirty="0">
-              <a:solidFill>
-                <a:schemeClr val="tx1"/>
-              </a:solidFill>
-            </a:endParaRPr>
           </a:p>
         </p:txBody>
       </p:sp>
@@ -4804,13 +4629,6 @@
   <p:clrMapOvr>
     <a:masterClrMapping/>
   </p:clrMapOvr>
-  <p:timing>
-    <p:tnLst>
-      <p:par>
-        <p:cTn id="1" dur="indefinite" restart="never" nodeType="tmRoot"/>
-      </p:par>
-    </p:tnLst>
-  </p:timing>
 </p:sld>
 </file>
 
@@ -4925,15 +4743,7 @@
           <a:p>
             <a:r>
               <a:rPr lang="en-US" b="1" i="1" dirty="0"/>
-              <a:t>Department of </a:t>
-            </a:r>
-            <a:r>
-              <a:rPr lang="en-US" b="1" i="1" dirty="0" smtClean="0"/>
-              <a:t>Computer </a:t>
-            </a:r>
-            <a:r>
-              <a:rPr lang="en-US" b="1" i="1" dirty="0"/>
-              <a:t>Science</a:t>
+              <a:t>Department of Computer Science</a:t>
             </a:r>
           </a:p>
         </p:txBody>
@@ -5002,7 +4812,7 @@
           <a:lstStyle/>
           <a:p>
             <a:r>
-              <a:rPr lang="en-US" sz="4000" b="1" dirty="0" smtClean="0">
+              <a:rPr lang="en-US" sz="4000" b="1" dirty="0">
                 <a:ln w="9525">
                   <a:solidFill>
                     <a:schemeClr val="bg1"/>
@@ -5024,26 +4834,6 @@
               </a:rPr>
               <a:t>Valdosta State University</a:t>
             </a:r>
-            <a:endParaRPr lang="en-US" sz="4000" b="1" dirty="0">
-              <a:ln w="9525">
-                <a:solidFill>
-                  <a:schemeClr val="bg1"/>
-                </a:solidFill>
-                <a:prstDash val="solid"/>
-              </a:ln>
-              <a:solidFill>
-                <a:srgbClr val="FF0000"/>
-              </a:solidFill>
-              <a:effectLst>
-                <a:outerShdw blurRad="12700" dist="38100" dir="2700000" algn="tl" rotWithShape="0">
-                  <a:schemeClr val="bg1">
-                    <a:lumMod val="50000"/>
-                  </a:schemeClr>
-                </a:outerShdw>
-              </a:effectLst>
-              <a:latin typeface="Segoe UI Black" panose="020B0A02040204020203" pitchFamily="34" charset="0"/>
-              <a:ea typeface="Segoe UI Black" panose="020B0A02040204020203" pitchFamily="34" charset="0"/>
-            </a:endParaRPr>
           </a:p>
         </p:txBody>
       </p:sp>
@@ -5070,10 +4860,9 @@
           <a:lstStyle/>
           <a:p>
             <a:r>
-              <a:rPr lang="en-US" b="1" u="sng" dirty="0" smtClean="0"/>
+              <a:rPr lang="en-US" b="1" u="sng" dirty="0"/>
               <a:t>Google Hack</a:t>
             </a:r>
-            <a:endParaRPr lang="en-US" b="1" u="sng" dirty="0"/>
           </a:p>
         </p:txBody>
       </p:sp>
@@ -5100,11 +4889,11 @@
           <a:lstStyle/>
           <a:p>
             <a:r>
-              <a:rPr lang="en-US" b="1" dirty="0" err="1" smtClean="0"/>
+              <a:rPr lang="en-US" b="1" dirty="0" err="1"/>
               <a:t>allintext:lchen</a:t>
             </a:r>
             <a:r>
-              <a:rPr lang="en-US" b="1" dirty="0" smtClean="0"/>
+              <a:rPr lang="en-US" b="1" dirty="0"/>
               <a:t> </a:t>
             </a:r>
             <a:r>
@@ -5160,18 +4949,13 @@
           <a:lstStyle/>
           <a:p>
             <a:r>
-              <a:rPr lang="en-US" b="1" dirty="0" smtClean="0">
+              <a:rPr lang="en-US" b="1" dirty="0">
                 <a:solidFill>
                   <a:schemeClr val="tx1"/>
                 </a:solidFill>
               </a:rPr>
               <a:t>Search a specific username in log files</a:t>
             </a:r>
-            <a:endParaRPr lang="en-US" b="1" dirty="0">
-              <a:solidFill>
-                <a:schemeClr val="tx1"/>
-              </a:solidFill>
-            </a:endParaRPr>
           </a:p>
         </p:txBody>
       </p:sp>
@@ -5185,13 +4969,6 @@
   <p:clrMapOvr>
     <a:masterClrMapping/>
   </p:clrMapOvr>
-  <p:timing>
-    <p:tnLst>
-      <p:par>
-        <p:cTn id="1" dur="indefinite" restart="never" nodeType="tmRoot"/>
-      </p:par>
-    </p:tnLst>
-  </p:timing>
 </p:sld>
 </file>
 
@@ -5306,15 +5083,7 @@
           <a:p>
             <a:r>
               <a:rPr lang="en-US" b="1" i="1" dirty="0"/>
-              <a:t>Department of </a:t>
-            </a:r>
-            <a:r>
-              <a:rPr lang="en-US" b="1" i="1" dirty="0" smtClean="0"/>
-              <a:t>Computer </a:t>
-            </a:r>
-            <a:r>
-              <a:rPr lang="en-US" b="1" i="1" dirty="0"/>
-              <a:t>Science</a:t>
+              <a:t>Department of Computer Science</a:t>
             </a:r>
           </a:p>
         </p:txBody>
@@ -5383,7 +5152,7 @@
           <a:lstStyle/>
           <a:p>
             <a:r>
-              <a:rPr lang="en-US" sz="4000" b="1" dirty="0" smtClean="0">
+              <a:rPr lang="en-US" sz="4000" b="1" dirty="0">
                 <a:ln w="9525">
                   <a:solidFill>
                     <a:schemeClr val="bg1"/>
@@ -5405,26 +5174,6 @@
               </a:rPr>
               <a:t>Valdosta State University</a:t>
             </a:r>
-            <a:endParaRPr lang="en-US" sz="4000" b="1" dirty="0">
-              <a:ln w="9525">
-                <a:solidFill>
-                  <a:schemeClr val="bg1"/>
-                </a:solidFill>
-                <a:prstDash val="solid"/>
-              </a:ln>
-              <a:solidFill>
-                <a:srgbClr val="FF0000"/>
-              </a:solidFill>
-              <a:effectLst>
-                <a:outerShdw blurRad="12700" dist="38100" dir="2700000" algn="tl" rotWithShape="0">
-                  <a:schemeClr val="bg1">
-                    <a:lumMod val="50000"/>
-                  </a:schemeClr>
-                </a:outerShdw>
-              </a:effectLst>
-              <a:latin typeface="Segoe UI Black" panose="020B0A02040204020203" pitchFamily="34" charset="0"/>
-              <a:ea typeface="Segoe UI Black" panose="020B0A02040204020203" pitchFamily="34" charset="0"/>
-            </a:endParaRPr>
           </a:p>
         </p:txBody>
       </p:sp>
@@ -5451,10 +5200,9 @@
           <a:lstStyle/>
           <a:p>
             <a:r>
-              <a:rPr lang="en-US" b="1" u="sng" dirty="0" smtClean="0"/>
+              <a:rPr lang="en-US" b="1" u="sng" dirty="0"/>
               <a:t>Google Hack</a:t>
             </a:r>
-            <a:endParaRPr lang="en-US" b="1" u="sng" dirty="0"/>
           </a:p>
         </p:txBody>
       </p:sp>
@@ -5541,18 +5289,13 @@
           <a:lstStyle/>
           <a:p>
             <a:r>
-              <a:rPr lang="en-US" b="1" dirty="0" smtClean="0">
+              <a:rPr lang="en-US" b="1" dirty="0">
                 <a:solidFill>
                   <a:schemeClr val="tx1"/>
                 </a:solidFill>
               </a:rPr>
               <a:t>Search someone’s username and password</a:t>
             </a:r>
-            <a:endParaRPr lang="en-US" b="1" dirty="0">
-              <a:solidFill>
-                <a:schemeClr val="tx1"/>
-              </a:solidFill>
-            </a:endParaRPr>
           </a:p>
         </p:txBody>
       </p:sp>
@@ -5566,13 +5309,6 @@
   <p:clrMapOvr>
     <a:masterClrMapping/>
   </p:clrMapOvr>
-  <p:timing>
-    <p:tnLst>
-      <p:par>
-        <p:cTn id="1" dur="indefinite" restart="never" nodeType="tmRoot"/>
-      </p:par>
-    </p:tnLst>
-  </p:timing>
 </p:sld>
 </file>
 
@@ -5687,15 +5423,7 @@
           <a:p>
             <a:r>
               <a:rPr lang="en-US" b="1" i="1" dirty="0"/>
-              <a:t>Department of </a:t>
-            </a:r>
-            <a:r>
-              <a:rPr lang="en-US" b="1" i="1" dirty="0" smtClean="0"/>
-              <a:t>Computer </a:t>
-            </a:r>
-            <a:r>
-              <a:rPr lang="en-US" b="1" i="1" dirty="0"/>
-              <a:t>Science</a:t>
+              <a:t>Department of Computer Science</a:t>
             </a:r>
           </a:p>
         </p:txBody>
@@ -5764,7 +5492,7 @@
           <a:lstStyle/>
           <a:p>
             <a:r>
-              <a:rPr lang="en-US" sz="4000" b="1" dirty="0" smtClean="0">
+              <a:rPr lang="en-US" sz="4000" b="1" dirty="0">
                 <a:ln w="9525">
                   <a:solidFill>
                     <a:schemeClr val="bg1"/>
@@ -5786,26 +5514,6 @@
               </a:rPr>
               <a:t>Valdosta State University</a:t>
             </a:r>
-            <a:endParaRPr lang="en-US" sz="4000" b="1" dirty="0">
-              <a:ln w="9525">
-                <a:solidFill>
-                  <a:schemeClr val="bg1"/>
-                </a:solidFill>
-                <a:prstDash val="solid"/>
-              </a:ln>
-              <a:solidFill>
-                <a:srgbClr val="FF0000"/>
-              </a:solidFill>
-              <a:effectLst>
-                <a:outerShdw blurRad="12700" dist="38100" dir="2700000" algn="tl" rotWithShape="0">
-                  <a:schemeClr val="bg1">
-                    <a:lumMod val="50000"/>
-                  </a:schemeClr>
-                </a:outerShdw>
-              </a:effectLst>
-              <a:latin typeface="Segoe UI Black" panose="020B0A02040204020203" pitchFamily="34" charset="0"/>
-              <a:ea typeface="Segoe UI Black" panose="020B0A02040204020203" pitchFamily="34" charset="0"/>
-            </a:endParaRPr>
           </a:p>
         </p:txBody>
       </p:sp>
@@ -5832,10 +5540,9 @@
           <a:lstStyle/>
           <a:p>
             <a:r>
-              <a:rPr lang="en-US" b="1" u="sng" dirty="0" smtClean="0"/>
+              <a:rPr lang="en-US" b="1" u="sng" dirty="0"/>
               <a:t>Google Hack</a:t>
             </a:r>
-            <a:endParaRPr lang="en-US" b="1" u="sng" dirty="0"/>
           </a:p>
         </p:txBody>
       </p:sp>
@@ -5918,7 +5625,7 @@
           <a:lstStyle/>
           <a:p>
             <a:r>
-              <a:rPr lang="en-US" b="1" dirty="0" smtClean="0">
+              <a:rPr lang="en-US" b="1" dirty="0">
                 <a:solidFill>
                   <a:schemeClr val="tx1"/>
                 </a:solidFill>
@@ -5926,7 +5633,7 @@
               <a:t>Search a database which may contain student </a:t>
             </a:r>
             <a:r>
-              <a:rPr lang="en-US" b="1" dirty="0" err="1" smtClean="0">
+              <a:rPr lang="en-US" b="1" dirty="0" err="1">
                 <a:solidFill>
                   <a:schemeClr val="tx1"/>
                 </a:solidFill>
@@ -5951,13 +5658,6 @@
   <p:clrMapOvr>
     <a:masterClrMapping/>
   </p:clrMapOvr>
-  <p:timing>
-    <p:tnLst>
-      <p:par>
-        <p:cTn id="1" dur="indefinite" restart="never" nodeType="tmRoot"/>
-      </p:par>
-    </p:tnLst>
-  </p:timing>
 </p:sld>
 </file>
 
@@ -6072,15 +5772,7 @@
           <a:p>
             <a:r>
               <a:rPr lang="en-US" b="1" i="1" dirty="0"/>
-              <a:t>Department of </a:t>
-            </a:r>
-            <a:r>
-              <a:rPr lang="en-US" b="1" i="1" dirty="0" smtClean="0"/>
-              <a:t>Computer </a:t>
-            </a:r>
-            <a:r>
-              <a:rPr lang="en-US" b="1" i="1" dirty="0"/>
-              <a:t>Science</a:t>
+              <a:t>Department of Computer Science</a:t>
             </a:r>
           </a:p>
         </p:txBody>
@@ -6149,7 +5841,7 @@
           <a:lstStyle/>
           <a:p>
             <a:r>
-              <a:rPr lang="en-US" sz="4000" b="1" dirty="0" smtClean="0">
+              <a:rPr lang="en-US" sz="4000" b="1" dirty="0">
                 <a:ln w="9525">
                   <a:solidFill>
                     <a:schemeClr val="bg1"/>
@@ -6171,26 +5863,6 @@
               </a:rPr>
               <a:t>Valdosta State University</a:t>
             </a:r>
-            <a:endParaRPr lang="en-US" sz="4000" b="1" dirty="0">
-              <a:ln w="9525">
-                <a:solidFill>
-                  <a:schemeClr val="bg1"/>
-                </a:solidFill>
-                <a:prstDash val="solid"/>
-              </a:ln>
-              <a:solidFill>
-                <a:srgbClr val="FF0000"/>
-              </a:solidFill>
-              <a:effectLst>
-                <a:outerShdw blurRad="12700" dist="38100" dir="2700000" algn="tl" rotWithShape="0">
-                  <a:schemeClr val="bg1">
-                    <a:lumMod val="50000"/>
-                  </a:schemeClr>
-                </a:outerShdw>
-              </a:effectLst>
-              <a:latin typeface="Segoe UI Black" panose="020B0A02040204020203" pitchFamily="34" charset="0"/>
-              <a:ea typeface="Segoe UI Black" panose="020B0A02040204020203" pitchFamily="34" charset="0"/>
-            </a:endParaRPr>
           </a:p>
         </p:txBody>
       </p:sp>
@@ -6247,10 +5919,9 @@
           <a:lstStyle/>
           <a:p>
             <a:r>
-              <a:rPr lang="en-US" sz="2400" b="1" u="sng" dirty="0" smtClean="0"/>
+              <a:rPr lang="en-US" sz="2400" b="1" u="sng" dirty="0"/>
               <a:t>Reference</a:t>
             </a:r>
-            <a:endParaRPr lang="en-US" sz="2400" b="1" u="sng" dirty="0"/>
           </a:p>
         </p:txBody>
       </p:sp>
@@ -6292,13 +5963,6 @@
   <p:clrMapOvr>
     <a:masterClrMapping/>
   </p:clrMapOvr>
-  <p:timing>
-    <p:tnLst>
-      <p:par>
-        <p:cTn id="1" dur="indefinite" restart="never" nodeType="tmRoot"/>
-      </p:par>
-    </p:tnLst>
-  </p:timing>
 </p:sld>
 </file>
 
@@ -6413,15 +6077,7 @@
           <a:p>
             <a:r>
               <a:rPr lang="en-US" b="1" i="1" dirty="0"/>
-              <a:t>Department of </a:t>
-            </a:r>
-            <a:r>
-              <a:rPr lang="en-US" b="1" i="1" dirty="0" smtClean="0"/>
-              <a:t>Computer </a:t>
-            </a:r>
-            <a:r>
-              <a:rPr lang="en-US" b="1" i="1" dirty="0"/>
-              <a:t>Science</a:t>
+              <a:t>Department of Computer Science</a:t>
             </a:r>
           </a:p>
         </p:txBody>
@@ -6556,11 +6212,7 @@
           <a:p>
             <a:r>
               <a:rPr lang="en-US" b="1" dirty="0"/>
-              <a:t>Find pdf </a:t>
-            </a:r>
-            <a:r>
-              <a:rPr lang="en-US" b="1" dirty="0" smtClean="0"/>
-              <a:t>files</a:t>
+              <a:t>Find pdf files</a:t>
             </a:r>
             <a:endParaRPr lang="en-US" dirty="0"/>
           </a:p>
@@ -6612,28 +6264,12 @@
           <a:p>
             <a:pPr algn="ctr"/>
             <a:r>
-              <a:rPr lang="en-US" b="1" dirty="0" smtClean="0">
-                <a:solidFill>
-                  <a:schemeClr val="tx1"/>
-                </a:solidFill>
-              </a:rPr>
-              <a:t>Search Textbooks, Scientific Journal </a:t>
-            </a:r>
-            <a:r>
               <a:rPr lang="en-US" b="1" dirty="0">
                 <a:solidFill>
                   <a:schemeClr val="tx1"/>
                 </a:solidFill>
               </a:rPr>
-              <a:t>P</a:t>
-            </a:r>
-            <a:r>
-              <a:rPr lang="en-US" b="1" dirty="0" smtClean="0">
-                <a:solidFill>
-                  <a:schemeClr val="tx1"/>
-                </a:solidFill>
-              </a:rPr>
-              <a:t>apers</a:t>
+              <a:t>Search Textbooks, Scientific Journal Papers</a:t>
             </a:r>
             <a:endParaRPr lang="en-US" dirty="0">
               <a:solidFill>
@@ -6675,11 +6311,7 @@
             </a:r>
             <a:r>
               <a:rPr lang="en-US" b="1" dirty="0"/>
-              <a:t> </a:t>
-            </a:r>
-            <a:r>
-              <a:rPr lang="en-US" b="1" dirty="0" smtClean="0"/>
-              <a:t>files </a:t>
+              <a:t> files </a:t>
             </a:r>
             <a:endParaRPr lang="en-US" dirty="0"/>
           </a:p>
@@ -6768,7 +6400,7 @@
           <a:p>
             <a:pPr algn="ctr"/>
             <a:r>
-              <a:rPr lang="en-US" b="1" dirty="0" smtClean="0">
+              <a:rPr lang="en-US" b="1" dirty="0">
                 <a:solidFill>
                   <a:schemeClr val="tx1"/>
                 </a:solidFill>
@@ -6806,7 +6438,7 @@
           <a:lstStyle/>
           <a:p>
             <a:r>
-              <a:rPr lang="en-US" sz="4000" b="1" dirty="0" smtClean="0">
+              <a:rPr lang="en-US" sz="4000" b="1" dirty="0">
                 <a:ln w="9525">
                   <a:solidFill>
                     <a:schemeClr val="bg1"/>
@@ -6828,26 +6460,6 @@
               </a:rPr>
               <a:t>Valdosta State University</a:t>
             </a:r>
-            <a:endParaRPr lang="en-US" sz="4000" b="1" dirty="0">
-              <a:ln w="9525">
-                <a:solidFill>
-                  <a:schemeClr val="bg1"/>
-                </a:solidFill>
-                <a:prstDash val="solid"/>
-              </a:ln>
-              <a:solidFill>
-                <a:srgbClr val="FF0000"/>
-              </a:solidFill>
-              <a:effectLst>
-                <a:outerShdw blurRad="12700" dist="38100" dir="2700000" algn="tl" rotWithShape="0">
-                  <a:schemeClr val="bg1">
-                    <a:lumMod val="50000"/>
-                  </a:schemeClr>
-                </a:outerShdw>
-              </a:effectLst>
-              <a:latin typeface="Segoe UI Black" panose="020B0A02040204020203" pitchFamily="34" charset="0"/>
-              <a:ea typeface="Segoe UI Black" panose="020B0A02040204020203" pitchFamily="34" charset="0"/>
-            </a:endParaRPr>
           </a:p>
         </p:txBody>
       </p:sp>
@@ -6861,13 +6473,6 @@
   <p:clrMapOvr>
     <a:masterClrMapping/>
   </p:clrMapOvr>
-  <p:timing>
-    <p:tnLst>
-      <p:par>
-        <p:cTn id="1" dur="indefinite" restart="never" nodeType="tmRoot"/>
-      </p:par>
-    </p:tnLst>
-  </p:timing>
 </p:sld>
 </file>
 
@@ -6982,15 +6587,7 @@
           <a:p>
             <a:r>
               <a:rPr lang="en-US" b="1" i="1" dirty="0"/>
-              <a:t>Department of </a:t>
-            </a:r>
-            <a:r>
-              <a:rPr lang="en-US" b="1" i="1" dirty="0" smtClean="0"/>
-              <a:t>Computer </a:t>
-            </a:r>
-            <a:r>
-              <a:rPr lang="en-US" b="1" i="1" dirty="0"/>
-              <a:t>Science</a:t>
+              <a:t>Department of Computer Science</a:t>
             </a:r>
           </a:p>
         </p:txBody>
@@ -7088,14 +6685,10 @@
           <a:p>
             <a:r>
               <a:rPr lang="en-US" b="1" i="1" dirty="0"/>
-              <a:t>java </a:t>
-            </a:r>
-            <a:r>
-              <a:rPr lang="en-US" b="1" i="1" dirty="0" smtClean="0"/>
-              <a:t>programming </a:t>
-            </a:r>
-            <a:r>
-              <a:rPr lang="en-US" b="1" i="1" dirty="0" err="1" smtClean="0">
+              <a:t>java programming </a:t>
+            </a:r>
+            <a:r>
+              <a:rPr lang="en-US" b="1" i="1" dirty="0" err="1">
                 <a:solidFill>
                   <a:srgbClr val="FF0000"/>
                 </a:solidFill>
@@ -7130,11 +6723,7 @@
           <a:p>
             <a:r>
               <a:rPr lang="en-US" b="1" dirty="0"/>
-              <a:t>Find pdf </a:t>
-            </a:r>
-            <a:r>
-              <a:rPr lang="en-US" b="1" dirty="0" smtClean="0"/>
-              <a:t>files</a:t>
+              <a:t>Find pdf files</a:t>
             </a:r>
             <a:endParaRPr lang="en-US" dirty="0"/>
           </a:p>
@@ -7186,18 +6775,13 @@
           <a:p>
             <a:pPr algn="ctr"/>
             <a:r>
-              <a:rPr lang="en-US" b="1" dirty="0" smtClean="0">
+              <a:rPr lang="en-US" b="1" dirty="0">
                 <a:solidFill>
                   <a:schemeClr val="tx1"/>
                 </a:solidFill>
               </a:rPr>
               <a:t>Magic words can be anywhere in the search bar</a:t>
             </a:r>
-            <a:endParaRPr lang="en-US" b="1" dirty="0">
-              <a:solidFill>
-                <a:schemeClr val="tx1"/>
-              </a:solidFill>
-            </a:endParaRPr>
           </a:p>
         </p:txBody>
       </p:sp>
@@ -7224,7 +6808,7 @@
           <a:lstStyle/>
           <a:p>
             <a:r>
-              <a:rPr lang="en-US" sz="4000" b="1" dirty="0" smtClean="0">
+              <a:rPr lang="en-US" sz="4000" b="1" dirty="0">
                 <a:ln w="9525">
                   <a:solidFill>
                     <a:schemeClr val="bg1"/>
@@ -7246,26 +6830,6 @@
               </a:rPr>
               <a:t>Valdosta State University</a:t>
             </a:r>
-            <a:endParaRPr lang="en-US" sz="4000" b="1" dirty="0">
-              <a:ln w="9525">
-                <a:solidFill>
-                  <a:schemeClr val="bg1"/>
-                </a:solidFill>
-                <a:prstDash val="solid"/>
-              </a:ln>
-              <a:solidFill>
-                <a:srgbClr val="FF0000"/>
-              </a:solidFill>
-              <a:effectLst>
-                <a:outerShdw blurRad="12700" dist="38100" dir="2700000" algn="tl" rotWithShape="0">
-                  <a:schemeClr val="bg1">
-                    <a:lumMod val="50000"/>
-                  </a:schemeClr>
-                </a:outerShdw>
-              </a:effectLst>
-              <a:latin typeface="Segoe UI Black" panose="020B0A02040204020203" pitchFamily="34" charset="0"/>
-              <a:ea typeface="Segoe UI Black" panose="020B0A02040204020203" pitchFamily="34" charset="0"/>
-            </a:endParaRPr>
           </a:p>
         </p:txBody>
       </p:sp>
@@ -7279,13 +6843,6 @@
   <p:clrMapOvr>
     <a:masterClrMapping/>
   </p:clrMapOvr>
-  <p:timing>
-    <p:tnLst>
-      <p:par>
-        <p:cTn id="1" dur="indefinite" restart="never" nodeType="tmRoot"/>
-      </p:par>
-    </p:tnLst>
-  </p:timing>
 </p:sld>
 </file>
 
@@ -7400,15 +6957,7 @@
           <a:p>
             <a:r>
               <a:rPr lang="en-US" b="1" i="1" dirty="0"/>
-              <a:t>Department of </a:t>
-            </a:r>
-            <a:r>
-              <a:rPr lang="en-US" b="1" i="1" dirty="0" smtClean="0"/>
-              <a:t>Computer </a:t>
-            </a:r>
-            <a:r>
-              <a:rPr lang="en-US" b="1" i="1" dirty="0"/>
-              <a:t>Science</a:t>
+              <a:t>Department of Computer Science</a:t>
             </a:r>
           </a:p>
         </p:txBody>
@@ -7513,11 +7062,7 @@
           <a:p>
             <a:r>
               <a:rPr lang="en-US" b="1" i="1" dirty="0"/>
-              <a:t>	search doc files using key words </a:t>
-            </a:r>
-            <a:r>
-              <a:rPr lang="en-US" b="1" i="1" dirty="0" smtClean="0"/>
-              <a:t>“Java Assignment”</a:t>
+              <a:t>	search doc files using key words “Java Assignment”</a:t>
             </a:r>
             <a:endParaRPr lang="en-US" i="1" dirty="0"/>
           </a:p>
@@ -7569,7 +7114,7 @@
           <a:p>
             <a:pPr algn="ctr"/>
             <a:r>
-              <a:rPr lang="en-US" b="1" dirty="0" smtClean="0">
+              <a:rPr lang="en-US" b="1" dirty="0">
                 <a:solidFill>
                   <a:schemeClr val="tx1"/>
                 </a:solidFill>
@@ -7607,7 +7152,7 @@
           <a:lstStyle/>
           <a:p>
             <a:r>
-              <a:rPr lang="en-US" sz="4000" b="1" dirty="0" smtClean="0">
+              <a:rPr lang="en-US" sz="4000" b="1" dirty="0">
                 <a:ln w="9525">
                   <a:solidFill>
                     <a:schemeClr val="bg1"/>
@@ -7629,26 +7174,6 @@
               </a:rPr>
               <a:t>Valdosta State University</a:t>
             </a:r>
-            <a:endParaRPr lang="en-US" sz="4000" b="1" dirty="0">
-              <a:ln w="9525">
-                <a:solidFill>
-                  <a:schemeClr val="bg1"/>
-                </a:solidFill>
-                <a:prstDash val="solid"/>
-              </a:ln>
-              <a:solidFill>
-                <a:srgbClr val="FF0000"/>
-              </a:solidFill>
-              <a:effectLst>
-                <a:outerShdw blurRad="12700" dist="38100" dir="2700000" algn="tl" rotWithShape="0">
-                  <a:schemeClr val="bg1">
-                    <a:lumMod val="50000"/>
-                  </a:schemeClr>
-                </a:outerShdw>
-              </a:effectLst>
-              <a:latin typeface="Segoe UI Black" panose="020B0A02040204020203" pitchFamily="34" charset="0"/>
-              <a:ea typeface="Segoe UI Black" panose="020B0A02040204020203" pitchFamily="34" charset="0"/>
-            </a:endParaRPr>
           </a:p>
         </p:txBody>
       </p:sp>
@@ -7662,13 +7187,6 @@
   <p:clrMapOvr>
     <a:masterClrMapping/>
   </p:clrMapOvr>
-  <p:timing>
-    <p:tnLst>
-      <p:par>
-        <p:cTn id="1" dur="indefinite" restart="never" nodeType="tmRoot"/>
-      </p:par>
-    </p:tnLst>
-  </p:timing>
 </p:sld>
 </file>
 
@@ -7783,15 +7301,7 @@
           <a:p>
             <a:r>
               <a:rPr lang="en-US" b="1" i="1" dirty="0"/>
-              <a:t>Department of </a:t>
-            </a:r>
-            <a:r>
-              <a:rPr lang="en-US" b="1" i="1" dirty="0" smtClean="0"/>
-              <a:t>Computer </a:t>
-            </a:r>
-            <a:r>
-              <a:rPr lang="en-US" b="1" i="1" dirty="0"/>
-              <a:t>Science</a:t>
+              <a:t>Department of Computer Science</a:t>
             </a:r>
           </a:p>
         </p:txBody>
@@ -7883,7 +7393,7 @@
           <a:p>
             <a:pPr algn="ctr"/>
             <a:r>
-              <a:rPr lang="en-US" b="1" dirty="0" smtClean="0">
+              <a:rPr lang="en-US" b="1" dirty="0">
                 <a:solidFill>
                   <a:schemeClr val="tx1"/>
                 </a:solidFill>
@@ -7921,7 +7431,7 @@
           <a:lstStyle/>
           <a:p>
             <a:r>
-              <a:rPr lang="en-US" sz="4000" b="1" dirty="0" smtClean="0">
+              <a:rPr lang="en-US" sz="4000" b="1" dirty="0">
                 <a:ln w="9525">
                   <a:solidFill>
                     <a:schemeClr val="bg1"/>
@@ -7943,26 +7453,6 @@
               </a:rPr>
               <a:t>Valdosta State University</a:t>
             </a:r>
-            <a:endParaRPr lang="en-US" sz="4000" b="1" dirty="0">
-              <a:ln w="9525">
-                <a:solidFill>
-                  <a:schemeClr val="bg1"/>
-                </a:solidFill>
-                <a:prstDash val="solid"/>
-              </a:ln>
-              <a:solidFill>
-                <a:srgbClr val="FF0000"/>
-              </a:solidFill>
-              <a:effectLst>
-                <a:outerShdw blurRad="12700" dist="38100" dir="2700000" algn="tl" rotWithShape="0">
-                  <a:schemeClr val="bg1">
-                    <a:lumMod val="50000"/>
-                  </a:schemeClr>
-                </a:outerShdw>
-              </a:effectLst>
-              <a:latin typeface="Segoe UI Black" panose="020B0A02040204020203" pitchFamily="34" charset="0"/>
-              <a:ea typeface="Segoe UI Black" panose="020B0A02040204020203" pitchFamily="34" charset="0"/>
-            </a:endParaRPr>
           </a:p>
         </p:txBody>
       </p:sp>
@@ -7990,15 +7480,7 @@
           <a:p>
             <a:r>
               <a:rPr lang="en-US" b="1" u="sng" dirty="0"/>
-              <a:t>Search </a:t>
-            </a:r>
-            <a:r>
-              <a:rPr lang="en-US" b="1" u="sng" dirty="0" smtClean="0"/>
-              <a:t>keys in </a:t>
-            </a:r>
-            <a:r>
-              <a:rPr lang="en-US" b="1" u="sng" dirty="0"/>
-              <a:t>a specific web site</a:t>
+              <a:t>Search keys in a specific web site</a:t>
             </a:r>
           </a:p>
         </p:txBody>
@@ -8026,10 +7508,9 @@
           <a:lstStyle/>
           <a:p>
             <a:r>
-              <a:rPr lang="en-US" b="1" i="1" dirty="0" smtClean="0"/>
+              <a:rPr lang="en-US" b="1" i="1" dirty="0"/>
               <a:t>Search “Lin Chen” at Valdosta.edu</a:t>
             </a:r>
-            <a:endParaRPr lang="en-US" b="1" i="1" dirty="0"/>
           </a:p>
           <a:p>
             <a:r>
@@ -8037,7 +7518,7 @@
               <a:t>	</a:t>
             </a:r>
             <a:r>
-              <a:rPr lang="en-US" b="1" i="1" dirty="0" err="1" smtClean="0">
+              <a:rPr lang="en-US" b="1" i="1" dirty="0" err="1">
                 <a:solidFill>
                   <a:srgbClr val="FF0000"/>
                 </a:solidFill>
@@ -8045,12 +7526,8 @@
               <a:t>site:valdosta.edu</a:t>
             </a:r>
             <a:r>
-              <a:rPr lang="en-US" b="1" i="1" dirty="0" smtClean="0"/>
-              <a:t> </a:t>
-            </a:r>
-            <a:r>
               <a:rPr lang="en-US" b="1" i="1" dirty="0"/>
-              <a:t>Lin Chen</a:t>
+              <a:t> Lin Chen</a:t>
             </a:r>
             <a:endParaRPr lang="en-US" i="1" dirty="0"/>
           </a:p>
@@ -8079,22 +7556,14 @@
           <a:lstStyle/>
           <a:p>
             <a:r>
-              <a:rPr lang="en-US" b="1" i="1" dirty="0" smtClean="0"/>
+              <a:rPr lang="en-US" b="1" i="1" dirty="0"/>
               <a:t>Search “Lin Chen” in Google</a:t>
             </a:r>
           </a:p>
           <a:p>
             <a:r>
               <a:rPr lang="en-US" b="1" i="1" dirty="0"/>
-              <a:t>	</a:t>
-            </a:r>
-            <a:r>
-              <a:rPr lang="en-US" b="1" i="1" dirty="0" smtClean="0"/>
-              <a:t>Lin </a:t>
-            </a:r>
-            <a:r>
-              <a:rPr lang="en-US" b="1" i="1" dirty="0"/>
-              <a:t>Chen</a:t>
+              <a:t>	Lin Chen</a:t>
             </a:r>
             <a:endParaRPr lang="en-US" i="1" dirty="0"/>
           </a:p>
@@ -8123,7 +7592,7 @@
           <a:lstStyle/>
           <a:p>
             <a:r>
-              <a:rPr lang="en-US" sz="1800" b="1" i="1" dirty="0" smtClean="0">
+              <a:rPr lang="en-US" sz="1800" b="1" i="1" dirty="0">
                 <a:solidFill>
                   <a:srgbClr val="FF0000"/>
                 </a:solidFill>
@@ -8131,12 +7600,6 @@
               </a:rPr>
               <a:t>Compare with</a:t>
             </a:r>
-            <a:endParaRPr lang="en-US" sz="1800" b="1" i="1" dirty="0">
-              <a:solidFill>
-                <a:srgbClr val="FF0000"/>
-              </a:solidFill>
-              <a:latin typeface="Arial Black" panose="020B0A04020102020204" pitchFamily="34" charset="0"/>
-            </a:endParaRPr>
           </a:p>
         </p:txBody>
       </p:sp>
@@ -8150,13 +7613,6 @@
   <p:clrMapOvr>
     <a:masterClrMapping/>
   </p:clrMapOvr>
-  <p:timing>
-    <p:tnLst>
-      <p:par>
-        <p:cTn id="1" dur="indefinite" restart="never" nodeType="tmRoot"/>
-      </p:par>
-    </p:tnLst>
-  </p:timing>
 </p:sld>
 </file>
 
@@ -8271,15 +7727,7 @@
           <a:p>
             <a:r>
               <a:rPr lang="en-US" b="1" i="1" dirty="0"/>
-              <a:t>Department of </a:t>
-            </a:r>
-            <a:r>
-              <a:rPr lang="en-US" b="1" i="1" dirty="0" smtClean="0"/>
-              <a:t>Computer </a:t>
-            </a:r>
-            <a:r>
-              <a:rPr lang="en-US" b="1" i="1" dirty="0"/>
-              <a:t>Science</a:t>
+              <a:t>Department of Computer Science</a:t>
             </a:r>
           </a:p>
         </p:txBody>
@@ -8348,7 +7796,7 @@
           <a:lstStyle/>
           <a:p>
             <a:r>
-              <a:rPr lang="en-US" sz="2000" b="1" i="1" u="sng" dirty="0" smtClean="0"/>
+              <a:rPr lang="en-US" sz="2000" b="1" i="1" u="sng" dirty="0"/>
               <a:t>Exercise</a:t>
             </a:r>
           </a:p>
@@ -8358,11 +7806,7 @@
           <a:p>
             <a:r>
               <a:rPr lang="en-US" b="1" i="1" dirty="0"/>
-              <a:t>	</a:t>
-            </a:r>
-            <a:r>
-              <a:rPr lang="en-US" b="1" i="1" dirty="0" smtClean="0"/>
-              <a:t>search “Java Programming” at reddit.com</a:t>
+              <a:t>	search “Java Programming” at reddit.com</a:t>
             </a:r>
           </a:p>
           <a:p>
@@ -8370,7 +7814,7 @@
           </a:p>
           <a:p>
             <a:r>
-              <a:rPr lang="en-US" b="1" i="1" dirty="0" smtClean="0"/>
+              <a:rPr lang="en-US" b="1" i="1" dirty="0"/>
               <a:t>	search “Java Programming” at quora.com</a:t>
             </a:r>
             <a:endParaRPr lang="en-US" i="1" dirty="0"/>
@@ -8400,7 +7844,7 @@
           <a:lstStyle/>
           <a:p>
             <a:r>
-              <a:rPr lang="en-US" sz="4000" b="1" dirty="0" smtClean="0">
+              <a:rPr lang="en-US" sz="4000" b="1" dirty="0">
                 <a:ln w="9525">
                   <a:solidFill>
                     <a:schemeClr val="bg1"/>
@@ -8422,26 +7866,6 @@
               </a:rPr>
               <a:t>Valdosta State University</a:t>
             </a:r>
-            <a:endParaRPr lang="en-US" sz="4000" b="1" dirty="0">
-              <a:ln w="9525">
-                <a:solidFill>
-                  <a:schemeClr val="bg1"/>
-                </a:solidFill>
-                <a:prstDash val="solid"/>
-              </a:ln>
-              <a:solidFill>
-                <a:srgbClr val="FF0000"/>
-              </a:solidFill>
-              <a:effectLst>
-                <a:outerShdw blurRad="12700" dist="38100" dir="2700000" algn="tl" rotWithShape="0">
-                  <a:schemeClr val="bg1">
-                    <a:lumMod val="50000"/>
-                  </a:schemeClr>
-                </a:outerShdw>
-              </a:effectLst>
-              <a:latin typeface="Segoe UI Black" panose="020B0A02040204020203" pitchFamily="34" charset="0"/>
-              <a:ea typeface="Segoe UI Black" panose="020B0A02040204020203" pitchFamily="34" charset="0"/>
-            </a:endParaRPr>
           </a:p>
         </p:txBody>
       </p:sp>
@@ -8455,13 +7879,6 @@
   <p:clrMapOvr>
     <a:masterClrMapping/>
   </p:clrMapOvr>
-  <p:timing>
-    <p:tnLst>
-      <p:par>
-        <p:cTn id="1" dur="indefinite" restart="never" nodeType="tmRoot"/>
-      </p:par>
-    </p:tnLst>
-  </p:timing>
 </p:sld>
 </file>
 
@@ -8576,15 +7993,7 @@
           <a:p>
             <a:r>
               <a:rPr lang="en-US" b="1" i="1" dirty="0"/>
-              <a:t>Department of </a:t>
-            </a:r>
-            <a:r>
-              <a:rPr lang="en-US" b="1" i="1" dirty="0" smtClean="0"/>
-              <a:t>Computer </a:t>
-            </a:r>
-            <a:r>
-              <a:rPr lang="en-US" b="1" i="1" dirty="0"/>
-              <a:t>Science</a:t>
+              <a:t>Department of Computer Science</a:t>
             </a:r>
           </a:p>
         </p:txBody>
@@ -8653,7 +8062,7 @@
           <a:lstStyle/>
           <a:p>
             <a:r>
-              <a:rPr lang="en-US" sz="4000" b="1" dirty="0" smtClean="0">
+              <a:rPr lang="en-US" sz="4000" b="1" dirty="0">
                 <a:ln w="9525">
                   <a:solidFill>
                     <a:schemeClr val="bg1"/>
@@ -8675,26 +8084,6 @@
               </a:rPr>
               <a:t>Valdosta State University</a:t>
             </a:r>
-            <a:endParaRPr lang="en-US" sz="4000" b="1" dirty="0">
-              <a:ln w="9525">
-                <a:solidFill>
-                  <a:schemeClr val="bg1"/>
-                </a:solidFill>
-                <a:prstDash val="solid"/>
-              </a:ln>
-              <a:solidFill>
-                <a:srgbClr val="FF0000"/>
-              </a:solidFill>
-              <a:effectLst>
-                <a:outerShdw blurRad="12700" dist="38100" dir="2700000" algn="tl" rotWithShape="0">
-                  <a:schemeClr val="bg1">
-                    <a:lumMod val="50000"/>
-                  </a:schemeClr>
-                </a:outerShdw>
-              </a:effectLst>
-              <a:latin typeface="Segoe UI Black" panose="020B0A02040204020203" pitchFamily="34" charset="0"/>
-              <a:ea typeface="Segoe UI Black" panose="020B0A02040204020203" pitchFamily="34" charset="0"/>
-            </a:endParaRPr>
           </a:p>
         </p:txBody>
       </p:sp>
@@ -8721,22 +8110,17 @@
           <a:lstStyle/>
           <a:p>
             <a:r>
-              <a:rPr lang="en-US" b="1" u="sng" dirty="0" smtClean="0"/>
+              <a:rPr lang="en-US" b="1" u="sng" dirty="0"/>
               <a:t>Google is </a:t>
             </a:r>
             <a:r>
-              <a:rPr lang="en-US" b="1" u="sng" dirty="0" smtClean="0">
+              <a:rPr lang="en-US" b="1" u="sng" dirty="0">
                 <a:solidFill>
                   <a:srgbClr val="FF0000"/>
                 </a:solidFill>
               </a:rPr>
               <a:t>NOT case sensitive</a:t>
             </a:r>
-            <a:endParaRPr lang="en-US" b="1" u="sng" dirty="0">
-              <a:solidFill>
-                <a:srgbClr val="FF0000"/>
-              </a:solidFill>
-            </a:endParaRPr>
           </a:p>
         </p:txBody>
       </p:sp>
@@ -8763,7 +8147,7 @@
           <a:lstStyle/>
           <a:p>
             <a:r>
-              <a:rPr lang="en-US" sz="2000" b="1" i="1" dirty="0" smtClean="0"/>
+              <a:rPr lang="en-US" sz="2000" b="1" i="1" dirty="0"/>
               <a:t>Exercise</a:t>
             </a:r>
           </a:p>
@@ -8773,11 +8157,7 @@
           <a:p>
             <a:r>
               <a:rPr lang="en-US" b="1" i="1" dirty="0"/>
-              <a:t>	search “</a:t>
-            </a:r>
-            <a:r>
-              <a:rPr lang="en-US" b="1" i="1" dirty="0" smtClean="0"/>
-              <a:t>java programming”</a:t>
+              <a:t>	search “java programming”</a:t>
             </a:r>
           </a:p>
           <a:p>
@@ -8786,11 +8166,7 @@
           <a:p>
             <a:r>
               <a:rPr lang="en-US" b="1" i="1" dirty="0"/>
-              <a:t>	search “</a:t>
-            </a:r>
-            <a:r>
-              <a:rPr lang="en-US" b="1" i="1" dirty="0" smtClean="0"/>
-              <a:t>JAVA Programming”</a:t>
+              <a:t>	search “JAVA Programming”</a:t>
             </a:r>
             <a:endParaRPr lang="en-US" i="1" dirty="0"/>
           </a:p>
@@ -8806,13 +8182,6 @@
   <p:clrMapOvr>
     <a:masterClrMapping/>
   </p:clrMapOvr>
-  <p:timing>
-    <p:tnLst>
-      <p:par>
-        <p:cTn id="1" dur="indefinite" restart="never" nodeType="tmRoot"/>
-      </p:par>
-    </p:tnLst>
-  </p:timing>
 </p:sld>
 </file>
 
@@ -8927,15 +8296,7 @@
           <a:p>
             <a:r>
               <a:rPr lang="en-US" b="1" i="1" dirty="0"/>
-              <a:t>Department of </a:t>
-            </a:r>
-            <a:r>
-              <a:rPr lang="en-US" b="1" i="1" dirty="0" smtClean="0"/>
-              <a:t>Computer </a:t>
-            </a:r>
-            <a:r>
-              <a:rPr lang="en-US" b="1" i="1" dirty="0"/>
-              <a:t>Science</a:t>
+              <a:t>Department of Computer Science</a:t>
             </a:r>
           </a:p>
         </p:txBody>
@@ -9004,7 +8365,7 @@
           <a:lstStyle/>
           <a:p>
             <a:r>
-              <a:rPr lang="en-US" sz="4000" b="1" dirty="0" smtClean="0">
+              <a:rPr lang="en-US" sz="4000" b="1" dirty="0">
                 <a:ln w="9525">
                   <a:solidFill>
                     <a:schemeClr val="bg1"/>
@@ -9026,26 +8387,6 @@
               </a:rPr>
               <a:t>Valdosta State University</a:t>
             </a:r>
-            <a:endParaRPr lang="en-US" sz="4000" b="1" dirty="0">
-              <a:ln w="9525">
-                <a:solidFill>
-                  <a:schemeClr val="bg1"/>
-                </a:solidFill>
-                <a:prstDash val="solid"/>
-              </a:ln>
-              <a:solidFill>
-                <a:srgbClr val="FF0000"/>
-              </a:solidFill>
-              <a:effectLst>
-                <a:outerShdw blurRad="12700" dist="38100" dir="2700000" algn="tl" rotWithShape="0">
-                  <a:schemeClr val="bg1">
-                    <a:lumMod val="50000"/>
-                  </a:schemeClr>
-                </a:outerShdw>
-              </a:effectLst>
-              <a:latin typeface="Segoe UI Black" panose="020B0A02040204020203" pitchFamily="34" charset="0"/>
-              <a:ea typeface="Segoe UI Black" panose="020B0A02040204020203" pitchFamily="34" charset="0"/>
-            </a:endParaRPr>
           </a:p>
         </p:txBody>
       </p:sp>
@@ -9072,10 +8413,9 @@
           <a:lstStyle/>
           <a:p>
             <a:r>
-              <a:rPr lang="en-US" b="1" u="sng" dirty="0" smtClean="0"/>
+              <a:rPr lang="en-US" b="1" u="sng" dirty="0"/>
               <a:t>Logical Operators</a:t>
             </a:r>
-            <a:endParaRPr lang="en-US" b="1" u="sng" dirty="0"/>
           </a:p>
         </p:txBody>
       </p:sp>
@@ -9102,27 +8442,18 @@
           <a:lstStyle/>
           <a:p>
             <a:r>
-              <a:rPr lang="en-US" b="1" i="1" dirty="0" smtClean="0">
+              <a:rPr lang="en-US" b="1" i="1" dirty="0">
                 <a:solidFill>
                   <a:srgbClr val="FF0000"/>
                 </a:solidFill>
               </a:rPr>
               <a:t>And</a:t>
             </a:r>
-            <a:endParaRPr lang="en-US" b="1" i="1" dirty="0">
-              <a:solidFill>
-                <a:srgbClr val="FF0000"/>
-              </a:solidFill>
-            </a:endParaRPr>
           </a:p>
           <a:p>
             <a:r>
               <a:rPr lang="en-US" b="1" i="1" dirty="0"/>
-              <a:t>	search “</a:t>
-            </a:r>
-            <a:r>
-              <a:rPr lang="en-US" b="1" i="1" dirty="0" smtClean="0"/>
-              <a:t>java programming”</a:t>
+              <a:t>	search “java programming”</a:t>
             </a:r>
           </a:p>
           <a:p>
@@ -9131,11 +8462,7 @@
           <a:p>
             <a:r>
               <a:rPr lang="en-US" b="1" i="1" dirty="0"/>
-              <a:t>	search </a:t>
-            </a:r>
-            <a:r>
-              <a:rPr lang="en-US" b="1" i="1" dirty="0" smtClean="0"/>
-              <a:t>“java and programming”</a:t>
+              <a:t>	search “java and programming”</a:t>
             </a:r>
             <a:endParaRPr lang="en-US" i="1" dirty="0"/>
           </a:p>
@@ -9187,7 +8514,7 @@
           <a:p>
             <a:pPr algn="ctr"/>
             <a:r>
-              <a:rPr lang="en-US" b="1" dirty="0" smtClean="0">
+              <a:rPr lang="en-US" b="1" dirty="0">
                 <a:solidFill>
                   <a:schemeClr val="tx1"/>
                 </a:solidFill>
@@ -9212,13 +8539,6 @@
   <p:clrMapOvr>
     <a:masterClrMapping/>
   </p:clrMapOvr>
-  <p:timing>
-    <p:tnLst>
-      <p:par>
-        <p:cTn id="1" dur="indefinite" restart="never" nodeType="tmRoot"/>
-      </p:par>
-    </p:tnLst>
-  </p:timing>
 </p:sld>
 </file>
 
@@ -9333,15 +8653,7 @@
           <a:p>
             <a:r>
               <a:rPr lang="en-US" b="1" i="1" dirty="0"/>
-              <a:t>Department of </a:t>
-            </a:r>
-            <a:r>
-              <a:rPr lang="en-US" b="1" i="1" dirty="0" smtClean="0"/>
-              <a:t>Computer </a:t>
-            </a:r>
-            <a:r>
-              <a:rPr lang="en-US" b="1" i="1" dirty="0"/>
-              <a:t>Science</a:t>
+              <a:t>Department of Computer Science</a:t>
             </a:r>
           </a:p>
         </p:txBody>
@@ -9410,7 +8722,7 @@
           <a:lstStyle/>
           <a:p>
             <a:r>
-              <a:rPr lang="en-US" sz="4000" b="1" dirty="0" smtClean="0">
+              <a:rPr lang="en-US" sz="4000" b="1" dirty="0">
                 <a:ln w="9525">
                   <a:solidFill>
                     <a:schemeClr val="bg1"/>
@@ -9432,26 +8744,6 @@
               </a:rPr>
               <a:t>Valdosta State University</a:t>
             </a:r>
-            <a:endParaRPr lang="en-US" sz="4000" b="1" dirty="0">
-              <a:ln w="9525">
-                <a:solidFill>
-                  <a:schemeClr val="bg1"/>
-                </a:solidFill>
-                <a:prstDash val="solid"/>
-              </a:ln>
-              <a:solidFill>
-                <a:srgbClr val="FF0000"/>
-              </a:solidFill>
-              <a:effectLst>
-                <a:outerShdw blurRad="12700" dist="38100" dir="2700000" algn="tl" rotWithShape="0">
-                  <a:schemeClr val="bg1">
-                    <a:lumMod val="50000"/>
-                  </a:schemeClr>
-                </a:outerShdw>
-              </a:effectLst>
-              <a:latin typeface="Segoe UI Black" panose="020B0A02040204020203" pitchFamily="34" charset="0"/>
-              <a:ea typeface="Segoe UI Black" panose="020B0A02040204020203" pitchFamily="34" charset="0"/>
-            </a:endParaRPr>
           </a:p>
         </p:txBody>
       </p:sp>
@@ -9478,10 +8770,9 @@
           <a:lstStyle/>
           <a:p>
             <a:r>
-              <a:rPr lang="en-US" b="1" u="sng" dirty="0" smtClean="0"/>
+              <a:rPr lang="en-US" b="1" u="sng" dirty="0"/>
               <a:t>Logical Operators</a:t>
             </a:r>
-            <a:endParaRPr lang="en-US" b="1" u="sng" dirty="0"/>
           </a:p>
         </p:txBody>
       </p:sp>
@@ -9508,7 +8799,7 @@
           <a:lstStyle/>
           <a:p>
             <a:r>
-              <a:rPr lang="en-US" b="1" i="1" dirty="0" smtClean="0">
+              <a:rPr lang="en-US" b="1" i="1" dirty="0">
                 <a:solidFill>
                   <a:srgbClr val="FF0000"/>
                 </a:solidFill>
@@ -9522,11 +8813,7 @@
           <a:p>
             <a:r>
               <a:rPr lang="en-US" b="1" i="1" dirty="0"/>
-              <a:t>	search “sports</a:t>
-            </a:r>
-            <a:r>
-              <a:rPr lang="en-US" b="1" i="1" dirty="0" smtClean="0"/>
-              <a:t>”</a:t>
+              <a:t>	search “sports”</a:t>
             </a:r>
           </a:p>
           <a:p>
@@ -9535,18 +8822,14 @@
           <a:p>
             <a:r>
               <a:rPr lang="en-US" b="1" i="1" dirty="0"/>
-              <a:t>	search “sport </a:t>
-            </a:r>
-            <a:r>
-              <a:rPr lang="en-US" b="1" i="1" dirty="0" smtClean="0"/>
-              <a:t>-</a:t>
-            </a:r>
-            <a:r>
-              <a:rPr lang="en-US" b="1" i="1" dirty="0" err="1" smtClean="0"/>
+              <a:t>	search “sport -</a:t>
+            </a:r>
+            <a:r>
+              <a:rPr lang="en-US" b="1" i="1" dirty="0" err="1"/>
               <a:t>nytimes</a:t>
             </a:r>
             <a:r>
-              <a:rPr lang="en-US" b="1" i="1" dirty="0" smtClean="0"/>
+              <a:rPr lang="en-US" b="1" i="1" dirty="0"/>
               <a:t>”</a:t>
             </a:r>
             <a:endParaRPr lang="en-US" i="1" dirty="0"/>
@@ -9598,7 +8881,7 @@
           <a:lstStyle/>
           <a:p>
             <a:r>
-              <a:rPr lang="en-US" b="1" dirty="0" smtClean="0">
+              <a:rPr lang="en-US" b="1" dirty="0">
                 <a:solidFill>
                   <a:schemeClr val="tx1"/>
                 </a:solidFill>
@@ -9606,7 +8889,7 @@
               <a:t>Add</a:t>
             </a:r>
             <a:r>
-              <a:rPr lang="en-US" b="1" dirty="0" smtClean="0">
+              <a:rPr lang="en-US" b="1" dirty="0">
                 <a:solidFill>
                   <a:srgbClr val="FF0000"/>
                 </a:solidFill>
@@ -9619,23 +8902,7 @@
                   <a:schemeClr val="tx1"/>
                 </a:solidFill>
               </a:rPr>
-              <a:t>p</a:t>
-            </a:r>
-            <a:r>
-              <a:rPr lang="en-US" b="1" dirty="0" smtClean="0">
-                <a:solidFill>
-                  <a:schemeClr val="tx1"/>
-                </a:solidFill>
-              </a:rPr>
-              <a:t>recede </a:t>
-            </a:r>
-            <a:r>
-              <a:rPr lang="en-US" b="1" dirty="0">
-                <a:solidFill>
-                  <a:schemeClr val="tx1"/>
-                </a:solidFill>
-              </a:rPr>
-              <a:t>each term you do </a:t>
+              <a:t>precede each term you do </a:t>
             </a:r>
             <a:r>
               <a:rPr lang="en-US" b="1" i="1" dirty="0">
@@ -9666,13 +8933,6 @@
   <p:clrMapOvr>
     <a:masterClrMapping/>
   </p:clrMapOvr>
-  <p:timing>
-    <p:tnLst>
-      <p:par>
-        <p:cTn id="1" dur="indefinite" restart="never" nodeType="tmRoot"/>
-      </p:par>
-    </p:tnLst>
-  </p:timing>
 </p:sld>
 </file>
 
